--- a/CORS.pptx
+++ b/CORS.pptx
@@ -105,6 +105,11 @@
       </a:defRPr>
     </a:lvl9pPr>
   </p:defaultTextStyle>
+  <p:extLst>
+    <p:ext uri="{EFAFB233-063F-42B5-8137-9DF3F51BA10A}">
+      <p15:sldGuideLst xmlns:p15="http://schemas.microsoft.com/office/powerpoint/2012/main"/>
+    </p:ext>
+  </p:extLst>
 </p:presentation>
 </file>
 
@@ -239,7 +244,7 @@
           <a:p>
             <a:fld id="{828E0F39-3E5B-4BEC-BD06-66081F612BFD}" type="datetimeFigureOut">
               <a:rPr lang="en-US" smtClean="0"/>
-              <a:t>10/8/2015</a:t>
+              <a:t>10/9/2015</a:t>
             </a:fld>
             <a:endParaRPr lang="en-US"/>
           </a:p>
@@ -409,7 +414,7 @@
           <a:p>
             <a:fld id="{828E0F39-3E5B-4BEC-BD06-66081F612BFD}" type="datetimeFigureOut">
               <a:rPr lang="en-US" smtClean="0"/>
-              <a:t>10/8/2015</a:t>
+              <a:t>10/9/2015</a:t>
             </a:fld>
             <a:endParaRPr lang="en-US"/>
           </a:p>
@@ -589,7 +594,7 @@
           <a:p>
             <a:fld id="{828E0F39-3E5B-4BEC-BD06-66081F612BFD}" type="datetimeFigureOut">
               <a:rPr lang="en-US" smtClean="0"/>
-              <a:t>10/8/2015</a:t>
+              <a:t>10/9/2015</a:t>
             </a:fld>
             <a:endParaRPr lang="en-US"/>
           </a:p>
@@ -759,7 +764,7 @@
           <a:p>
             <a:fld id="{828E0F39-3E5B-4BEC-BD06-66081F612BFD}" type="datetimeFigureOut">
               <a:rPr lang="en-US" smtClean="0"/>
-              <a:t>10/8/2015</a:t>
+              <a:t>10/9/2015</a:t>
             </a:fld>
             <a:endParaRPr lang="en-US"/>
           </a:p>
@@ -1005,7 +1010,7 @@
           <a:p>
             <a:fld id="{828E0F39-3E5B-4BEC-BD06-66081F612BFD}" type="datetimeFigureOut">
               <a:rPr lang="en-US" smtClean="0"/>
-              <a:t>10/8/2015</a:t>
+              <a:t>10/9/2015</a:t>
             </a:fld>
             <a:endParaRPr lang="en-US"/>
           </a:p>
@@ -1237,7 +1242,7 @@
           <a:p>
             <a:fld id="{828E0F39-3E5B-4BEC-BD06-66081F612BFD}" type="datetimeFigureOut">
               <a:rPr lang="en-US" smtClean="0"/>
-              <a:t>10/8/2015</a:t>
+              <a:t>10/9/2015</a:t>
             </a:fld>
             <a:endParaRPr lang="en-US"/>
           </a:p>
@@ -1604,7 +1609,7 @@
           <a:p>
             <a:fld id="{828E0F39-3E5B-4BEC-BD06-66081F612BFD}" type="datetimeFigureOut">
               <a:rPr lang="en-US" smtClean="0"/>
-              <a:t>10/8/2015</a:t>
+              <a:t>10/9/2015</a:t>
             </a:fld>
             <a:endParaRPr lang="en-US"/>
           </a:p>
@@ -1722,7 +1727,7 @@
           <a:p>
             <a:fld id="{828E0F39-3E5B-4BEC-BD06-66081F612BFD}" type="datetimeFigureOut">
               <a:rPr lang="en-US" smtClean="0"/>
-              <a:t>10/8/2015</a:t>
+              <a:t>10/9/2015</a:t>
             </a:fld>
             <a:endParaRPr lang="en-US"/>
           </a:p>
@@ -1817,7 +1822,7 @@
           <a:p>
             <a:fld id="{828E0F39-3E5B-4BEC-BD06-66081F612BFD}" type="datetimeFigureOut">
               <a:rPr lang="en-US" smtClean="0"/>
-              <a:t>10/8/2015</a:t>
+              <a:t>10/9/2015</a:t>
             </a:fld>
             <a:endParaRPr lang="en-US"/>
           </a:p>
@@ -2094,7 +2099,7 @@
           <a:p>
             <a:fld id="{828E0F39-3E5B-4BEC-BD06-66081F612BFD}" type="datetimeFigureOut">
               <a:rPr lang="en-US" smtClean="0"/>
-              <a:t>10/8/2015</a:t>
+              <a:t>10/9/2015</a:t>
             </a:fld>
             <a:endParaRPr lang="en-US"/>
           </a:p>
@@ -2347,7 +2352,7 @@
           <a:p>
             <a:fld id="{828E0F39-3E5B-4BEC-BD06-66081F612BFD}" type="datetimeFigureOut">
               <a:rPr lang="en-US" smtClean="0"/>
-              <a:t>10/8/2015</a:t>
+              <a:t>10/9/2015</a:t>
             </a:fld>
             <a:endParaRPr lang="en-US"/>
           </a:p>
@@ -2560,7 +2565,7 @@
           <a:p>
             <a:fld id="{828E0F39-3E5B-4BEC-BD06-66081F612BFD}" type="datetimeFigureOut">
               <a:rPr lang="en-US" smtClean="0"/>
-              <a:t>10/8/2015</a:t>
+              <a:t>10/9/2015</a:t>
             </a:fld>
             <a:endParaRPr lang="en-US"/>
           </a:p>
@@ -3051,7 +3056,7 @@
         </p:nvSpPr>
         <p:spPr>
           <a:xfrm>
-            <a:off x="1686232" y="2413338"/>
+            <a:off x="1715729" y="1272796"/>
             <a:ext cx="8819536" cy="2031325"/>
           </a:xfrm>
           <a:prstGeom prst="rect">
@@ -3121,9 +3126,15 @@
               <a:rPr lang="en-US" baseline="30000" dirty="0">
                 <a:hlinkClick r:id="rId4"/>
               </a:rPr>
-              <a:t>[3]</a:t>
-            </a:r>
-            <a:endParaRPr lang="en-US" dirty="0"/>
+              <a:t>[3</a:t>
+            </a:r>
+            <a:r>
+              <a:rPr lang="en-US" baseline="30000" dirty="0" smtClean="0">
+                <a:hlinkClick r:id="rId4"/>
+              </a:rPr>
+              <a:t>]</a:t>
+            </a:r>
+            <a:endParaRPr lang="en-US" baseline="30000" dirty="0" smtClean="0"/>
           </a:p>
         </p:txBody>
       </p:sp>
@@ -3154,6 +3165,37 @@
               <a:t>https://en.wikipedia.org/wiki/Cross-origin_resource_sharing</a:t>
             </a:r>
             <a:endParaRPr lang="en-US" sz="1200" dirty="0"/>
+          </a:p>
+        </p:txBody>
+      </p:sp>
+      <p:sp>
+        <p:nvSpPr>
+          <p:cNvPr id="6" name="TextBox 5"/>
+          <p:cNvSpPr txBox="1"/>
+          <p:nvPr/>
+        </p:nvSpPr>
+        <p:spPr>
+          <a:xfrm>
+            <a:off x="1715729" y="4100969"/>
+            <a:ext cx="8819536" cy="461665"/>
+          </a:xfrm>
+          <a:prstGeom prst="rect">
+            <a:avLst/>
+          </a:prstGeom>
+          <a:noFill/>
+        </p:spPr>
+        <p:txBody>
+          <a:bodyPr wrap="square" rtlCol="0">
+            <a:spAutoFit/>
+          </a:bodyPr>
+          <a:lstStyle/>
+          <a:p>
+            <a:pPr algn="ctr"/>
+            <a:r>
+              <a:rPr lang="en-US" sz="2400" dirty="0" smtClean="0"/>
+              <a:t>Replaces JSONP.</a:t>
+            </a:r>
+            <a:endParaRPr lang="en-US" sz="2400" baseline="30000" dirty="0" smtClean="0"/>
           </a:p>
         </p:txBody>
       </p:sp>
